--- a/03_compodoc/03_compodoc.pptx
+++ b/03_compodoc/03_compodoc.pptx
@@ -10,7 +10,7 @@
     <p:notesMasterId r:id="rId14"/>
   </p:notesMasterIdLst>
   <p:sldIdLst>
-    <p:sldId id="314" r:id="rId5"/>
+    <p:sldId id="523" r:id="rId5"/>
     <p:sldId id="515" r:id="rId6"/>
     <p:sldId id="484" r:id="rId7"/>
     <p:sldId id="494" r:id="rId8"/>
@@ -4115,6 +4115,208 @@
           </a:prstGeom>
         </p:spPr>
       </p:pic>
+    </p:spTree>
+  </p:cSld>
+  <p:clrMapOvr>
+    <a:masterClrMapping/>
+  </p:clrMapOvr>
+</p:sldLayout>
+</file>
+
+<file path=ppt/slideLayouts/slideLayout29.xml><?xml version="1.0" encoding="utf-8"?>
+<p:sldLayout xmlns:a="http://schemas.openxmlformats.org/drawingml/2006/main" xmlns:r="http://schemas.openxmlformats.org/officeDocument/2006/relationships" xmlns:p="http://schemas.openxmlformats.org/presentationml/2006/main" preserve="1" userDrawn="1">
+  <p:cSld name="12_Diseño personalizado">
+    <p:bg>
+      <p:bgPr>
+        <a:gradFill>
+          <a:gsLst>
+            <a:gs pos="0">
+              <a:srgbClr val="0F2641"/>
+            </a:gs>
+            <a:gs pos="50000">
+              <a:srgbClr val="173962"/>
+            </a:gs>
+            <a:gs pos="100000">
+              <a:srgbClr val="2863AA"/>
+            </a:gs>
+          </a:gsLst>
+          <a:lin ang="13500000" scaled="1"/>
+        </a:gradFill>
+        <a:effectLst/>
+      </p:bgPr>
+    </p:bg>
+    <p:spTree>
+      <p:nvGrpSpPr>
+        <p:cNvPr id="1" name=""/>
+        <p:cNvGrpSpPr/>
+        <p:nvPr/>
+      </p:nvGrpSpPr>
+      <p:grpSpPr>
+        <a:xfrm>
+          <a:off x="0" y="0"/>
+          <a:ext cx="0" cy="0"/>
+          <a:chOff x="0" y="0"/>
+          <a:chExt cx="0" cy="0"/>
+        </a:xfrm>
+      </p:grpSpPr>
+      <p:pic>
+        <p:nvPicPr>
+          <p:cNvPr id="4" name="Imagen 3"/>
+          <p:cNvPicPr>
+            <a:picLocks noChangeAspect="1"/>
+          </p:cNvPicPr>
+          <p:nvPr userDrawn="1"/>
+        </p:nvPicPr>
+        <p:blipFill rotWithShape="1">
+          <a:blip r:embed="rId2" cstate="screen"/>
+          <a:srcRect l="5071" r="2927" b="60620"/>
+          <a:stretch>
+            <a:fillRect/>
+          </a:stretch>
+        </p:blipFill>
+        <p:spPr>
+          <a:xfrm rot="10800000">
+            <a:off x="-38101" y="-19033"/>
+            <a:ext cx="12230101" cy="2305018"/>
+          </a:xfrm>
+          <a:prstGeom prst="rect">
+            <a:avLst/>
+          </a:prstGeom>
+        </p:spPr>
+      </p:pic>
+      <p:pic>
+        <p:nvPicPr>
+          <p:cNvPr id="12" name="Imagen 11"/>
+          <p:cNvPicPr>
+            <a:picLocks noChangeAspect="1"/>
+          </p:cNvPicPr>
+          <p:nvPr userDrawn="1"/>
+        </p:nvPicPr>
+        <p:blipFill rotWithShape="1">
+          <a:blip r:embed="rId2" cstate="screen"/>
+          <a:srcRect l="5071" r="2927" b="75454"/>
+          <a:stretch>
+            <a:fillRect/>
+          </a:stretch>
+        </p:blipFill>
+        <p:spPr>
+          <a:xfrm>
+            <a:off x="16501" y="5453711"/>
+            <a:ext cx="12175499" cy="1428475"/>
+          </a:xfrm>
+          <a:prstGeom prst="rect">
+            <a:avLst/>
+          </a:prstGeom>
+        </p:spPr>
+      </p:pic>
+      <p:grpSp>
+        <p:nvGrpSpPr>
+          <p:cNvPr id="13" name="Agrupar 20"/>
+          <p:cNvGrpSpPr/>
+          <p:nvPr userDrawn="1"/>
+        </p:nvGrpSpPr>
+        <p:grpSpPr>
+          <a:xfrm>
+            <a:off x="4319803" y="2311311"/>
+            <a:ext cx="3552395" cy="542157"/>
+            <a:chOff x="1980783" y="2860693"/>
+            <a:chExt cx="8218294" cy="1255416"/>
+          </a:xfrm>
+        </p:grpSpPr>
+        <p:pic>
+          <p:nvPicPr>
+            <p:cNvPr id="14" name="Imagen 13"/>
+            <p:cNvPicPr>
+              <a:picLocks noChangeAspect="1"/>
+            </p:cNvPicPr>
+            <p:nvPr/>
+          </p:nvPicPr>
+          <p:blipFill rotWithShape="1">
+            <a:blip r:embed="rId3" cstate="screen">
+              <a:lum bright="70000" contrast="-70000"/>
+            </a:blip>
+            <a:srcRect/>
+            <a:stretch>
+              <a:fillRect/>
+            </a:stretch>
+          </p:blipFill>
+          <p:spPr>
+            <a:xfrm>
+              <a:off x="1980783" y="2860693"/>
+              <a:ext cx="4653426" cy="1255416"/>
+            </a:xfrm>
+            <a:prstGeom prst="rect">
+              <a:avLst/>
+            </a:prstGeom>
+          </p:spPr>
+        </p:pic>
+        <p:pic>
+          <p:nvPicPr>
+            <p:cNvPr id="15" name="Imagen 14"/>
+            <p:cNvPicPr>
+              <a:picLocks noChangeAspect="1"/>
+            </p:cNvPicPr>
+            <p:nvPr/>
+          </p:nvPicPr>
+          <p:blipFill rotWithShape="1">
+            <a:blip r:embed="rId4" cstate="screen">
+              <a:lum bright="70000" contrast="-70000"/>
+            </a:blip>
+            <a:srcRect b="-7336"/>
+            <a:stretch>
+              <a:fillRect/>
+            </a:stretch>
+          </p:blipFill>
+          <p:spPr>
+            <a:xfrm>
+              <a:off x="6854160" y="3212030"/>
+              <a:ext cx="3344917" cy="726923"/>
+            </a:xfrm>
+            <a:prstGeom prst="rect">
+              <a:avLst/>
+            </a:prstGeom>
+          </p:spPr>
+        </p:pic>
+      </p:grpSp>
+      <p:sp>
+        <p:nvSpPr>
+          <p:cNvPr id="16" name="1 Título"/>
+          <p:cNvSpPr>
+            <a:spLocks noGrp="1"/>
+          </p:cNvSpPr>
+          <p:nvPr>
+            <p:ph type="title" hasCustomPrompt="1"/>
+          </p:nvPr>
+        </p:nvSpPr>
+        <p:spPr>
+          <a:xfrm>
+            <a:off x="2159563" y="3049856"/>
+            <a:ext cx="7680853" cy="858753"/>
+          </a:xfrm>
+        </p:spPr>
+        <p:txBody>
+          <a:bodyPr>
+            <a:noAutofit/>
+          </a:bodyPr>
+          <a:lstStyle>
+            <a:lvl1pPr>
+              <a:defRPr sz="3730">
+                <a:solidFill>
+                  <a:schemeClr val="bg1"/>
+                </a:solidFill>
+                <a:latin typeface="Bebas Neue Regular" panose="00000500000000000000" pitchFamily="50" charset="0"/>
+              </a:defRPr>
+            </a:lvl1pPr>
+          </a:lstStyle>
+          <a:p>
+            <a:r>
+              <a:rPr lang="es-ES" dirty="0"/>
+              <a:t>TITULO PATRON</a:t>
+            </a:r>
+            <a:endParaRPr lang="fr-FR" dirty="0"/>
+          </a:p>
+        </p:txBody>
+      </p:sp>
     </p:spTree>
   </p:cSld>
   <p:clrMapOvr>
@@ -6217,6 +6419,7 @@
     <p:sldLayoutId id="2147483676" r:id="rId6"/>
     <p:sldLayoutId id="2147483677" r:id="rId7"/>
     <p:sldLayoutId id="2147483678" r:id="rId8"/>
+    <p:sldLayoutId id="2147483679" r:id="rId9"/>
   </p:sldLayoutIdLst>
   <p:txStyles>
     <p:titleStyle>
@@ -6526,7 +6729,7 @@
         </p:nvSpPr>
         <p:spPr>
           <a:xfrm>
-            <a:off x="7582535" y="4660900"/>
+            <a:off x="4011930" y="4591050"/>
             <a:ext cx="4169410" cy="441960"/>
           </a:xfrm>
           <a:prstGeom prst="rect">
@@ -6666,8 +6869,8 @@
         </p:nvSpPr>
         <p:spPr>
           <a:xfrm>
-            <a:off x="2259126" y="3358113"/>
-            <a:ext cx="7673748" cy="858753"/>
+            <a:off x="3227070" y="3357880"/>
+            <a:ext cx="5739130" cy="858520"/>
           </a:xfrm>
         </p:spPr>
         <p:txBody>
@@ -6696,139 +6899,6 @@
           </a:p>
         </p:txBody>
       </p:sp>
-      <p:sp>
-        <p:nvSpPr>
-          <p:cNvPr id="6" name="2 Marcador de pie de página"/>
-          <p:cNvSpPr txBox="1"/>
-          <p:nvPr/>
-        </p:nvSpPr>
-        <p:spPr>
-          <a:xfrm>
-            <a:off x="4167386" y="4001374"/>
-            <a:ext cx="3857228" cy="363730"/>
-          </a:xfrm>
-          <a:prstGeom prst="rect">
-            <a:avLst/>
-          </a:prstGeom>
-        </p:spPr>
-        <p:txBody>
-          <a:bodyPr vert="horz" lIns="91440" tIns="45720" rIns="91440" bIns="45720" rtlCol="0" anchor="ctr"/>
-          <a:lstStyle>
-            <a:defPPr>
-              <a:defRPr lang="fr-FR"/>
-            </a:defPPr>
-            <a:lvl1pPr marL="0" algn="ctr" defTabSz="1218565" rtl="0" eaLnBrk="1" latinLnBrk="0" hangingPunct="1">
-              <a:defRPr sz="1600" kern="1200">
-                <a:solidFill>
-                  <a:schemeClr val="tx1">
-                    <a:tint val="75000"/>
-                  </a:schemeClr>
-                </a:solidFill>
-                <a:latin typeface="+mn-lt"/>
-                <a:ea typeface="+mn-ea"/>
-                <a:cs typeface="+mn-cs"/>
-              </a:defRPr>
-            </a:lvl1pPr>
-            <a:lvl2pPr marL="609600" algn="l" defTabSz="1218565" rtl="0" eaLnBrk="1" latinLnBrk="0" hangingPunct="1">
-              <a:defRPr sz="2400" kern="1200">
-                <a:solidFill>
-                  <a:schemeClr val="tx1"/>
-                </a:solidFill>
-                <a:latin typeface="+mn-lt"/>
-                <a:ea typeface="+mn-ea"/>
-                <a:cs typeface="+mn-cs"/>
-              </a:defRPr>
-            </a:lvl2pPr>
-            <a:lvl3pPr marL="1218565" algn="l" defTabSz="1218565" rtl="0" eaLnBrk="1" latinLnBrk="0" hangingPunct="1">
-              <a:defRPr sz="2400" kern="1200">
-                <a:solidFill>
-                  <a:schemeClr val="tx1"/>
-                </a:solidFill>
-                <a:latin typeface="+mn-lt"/>
-                <a:ea typeface="+mn-ea"/>
-                <a:cs typeface="+mn-cs"/>
-              </a:defRPr>
-            </a:lvl3pPr>
-            <a:lvl4pPr marL="1828165" algn="l" defTabSz="1218565" rtl="0" eaLnBrk="1" latinLnBrk="0" hangingPunct="1">
-              <a:defRPr sz="2400" kern="1200">
-                <a:solidFill>
-                  <a:schemeClr val="tx1"/>
-                </a:solidFill>
-                <a:latin typeface="+mn-lt"/>
-                <a:ea typeface="+mn-ea"/>
-                <a:cs typeface="+mn-cs"/>
-              </a:defRPr>
-            </a:lvl4pPr>
-            <a:lvl5pPr marL="2437130" algn="l" defTabSz="1218565" rtl="0" eaLnBrk="1" latinLnBrk="0" hangingPunct="1">
-              <a:defRPr sz="2400" kern="1200">
-                <a:solidFill>
-                  <a:schemeClr val="tx1"/>
-                </a:solidFill>
-                <a:latin typeface="+mn-lt"/>
-                <a:ea typeface="+mn-ea"/>
-                <a:cs typeface="+mn-cs"/>
-              </a:defRPr>
-            </a:lvl5pPr>
-            <a:lvl6pPr marL="3046730" algn="l" defTabSz="1218565" rtl="0" eaLnBrk="1" latinLnBrk="0" hangingPunct="1">
-              <a:defRPr sz="2400" kern="1200">
-                <a:solidFill>
-                  <a:schemeClr val="tx1"/>
-                </a:solidFill>
-                <a:latin typeface="+mn-lt"/>
-                <a:ea typeface="+mn-ea"/>
-                <a:cs typeface="+mn-cs"/>
-              </a:defRPr>
-            </a:lvl6pPr>
-            <a:lvl7pPr marL="3656330" algn="l" defTabSz="1218565" rtl="0" eaLnBrk="1" latinLnBrk="0" hangingPunct="1">
-              <a:defRPr sz="2400" kern="1200">
-                <a:solidFill>
-                  <a:schemeClr val="tx1"/>
-                </a:solidFill>
-                <a:latin typeface="+mn-lt"/>
-                <a:ea typeface="+mn-ea"/>
-                <a:cs typeface="+mn-cs"/>
-              </a:defRPr>
-            </a:lvl7pPr>
-            <a:lvl8pPr marL="4265295" algn="l" defTabSz="1218565" rtl="0" eaLnBrk="1" latinLnBrk="0" hangingPunct="1">
-              <a:defRPr sz="2400" kern="1200">
-                <a:solidFill>
-                  <a:schemeClr val="tx1"/>
-                </a:solidFill>
-                <a:latin typeface="+mn-lt"/>
-                <a:ea typeface="+mn-ea"/>
-                <a:cs typeface="+mn-cs"/>
-              </a:defRPr>
-            </a:lvl8pPr>
-            <a:lvl9pPr marL="4874895" algn="l" defTabSz="1218565" rtl="0" eaLnBrk="1" latinLnBrk="0" hangingPunct="1">
-              <a:defRPr sz="2400" kern="1200">
-                <a:solidFill>
-                  <a:schemeClr val="tx1"/>
-                </a:solidFill>
-                <a:latin typeface="+mn-lt"/>
-                <a:ea typeface="+mn-ea"/>
-                <a:cs typeface="+mn-cs"/>
-              </a:defRPr>
-            </a:lvl9pPr>
-          </a:lstStyle>
-          <a:p>
-            <a:pPr>
-              <a:lnSpc>
-                <a:spcPct val="150000"/>
-              </a:lnSpc>
-            </a:pPr>
-            <a:endParaRPr lang="es-ES" sz="1865" b="1" dirty="0">
-              <a:solidFill>
-                <a:schemeClr val="accent1">
-                  <a:lumMod val="20000"/>
-                  <a:lumOff val="80000"/>
-                </a:schemeClr>
-              </a:solidFill>
-              <a:latin typeface="Roboto Light" panose="02000000000000000000" pitchFamily="2" charset="0"/>
-              <a:ea typeface="Roboto Light" panose="02000000000000000000" pitchFamily="2" charset="0"/>
-            </a:endParaRPr>
-          </a:p>
-        </p:txBody>
-      </p:sp>
     </p:spTree>
   </p:cSld>
   <p:clrMapOvr>
@@ -6838,7 +6908,7 @@
 </file>
 
 <file path=ppt/slides/slide2.xml><?xml version="1.0" encoding="utf-8"?>
-<p:sld xmlns:a="http://schemas.openxmlformats.org/drawingml/2006/main" xmlns:r="http://schemas.openxmlformats.org/officeDocument/2006/relationships" xmlns:p="http://schemas.openxmlformats.org/presentationml/2006/main">
+<p:sld xmlns:a="http://schemas.openxmlformats.org/drawingml/2006/main" xmlns:r="http://schemas.openxmlformats.org/officeDocument/2006/relationships" xmlns:p="http://schemas.openxmlformats.org/presentationml/2006/main" showMasterSp="0">
   <p:cSld>
     <p:spTree>
       <p:nvGrpSpPr>
@@ -7091,7 +7161,7 @@
                   <a:schemeClr val="tx2"/>
                 </a:solidFill>
               </a:rPr>
-              <a:t>1. Automatic Documentation</a:t>
+              <a:t>3. Automatic Documentation</a:t>
             </a:r>
             <a:endParaRPr lang="es-ES" altLang="es-ES_tradnl" sz="4265" dirty="0">
               <a:solidFill>

--- a/03_compodoc/03_compodoc.pptx
+++ b/03_compodoc/03_compodoc.pptx
@@ -7,18 +7,17 @@
     <p:sldMasterId id="2147483670" r:id="rId4"/>
   </p:sldMasterIdLst>
   <p:notesMasterIdLst>
-    <p:notesMasterId r:id="rId14"/>
+    <p:notesMasterId r:id="rId13"/>
   </p:notesMasterIdLst>
   <p:sldIdLst>
     <p:sldId id="523" r:id="rId5"/>
     <p:sldId id="515" r:id="rId6"/>
     <p:sldId id="484" r:id="rId7"/>
-    <p:sldId id="494" r:id="rId8"/>
-    <p:sldId id="516" r:id="rId9"/>
-    <p:sldId id="517" r:id="rId10"/>
-    <p:sldId id="488" r:id="rId11"/>
-    <p:sldId id="465" r:id="rId12"/>
-    <p:sldId id="464" r:id="rId13"/>
+    <p:sldId id="516" r:id="rId8"/>
+    <p:sldId id="517" r:id="rId9"/>
+    <p:sldId id="532" r:id="rId10"/>
+    <p:sldId id="465" r:id="rId11"/>
+    <p:sldId id="464" r:id="rId12"/>
   </p:sldIdLst>
   <p:sldSz cx="12192000" cy="6858000"/>
   <p:notesSz cx="6858000" cy="9144000"/>
@@ -7205,7 +7204,7 @@
           <a:p>
             <a:r>
               <a:rPr lang="es-ES" altLang="en-US"/>
-              <a:t>Documentacion</a:t>
+              <a:t>Compodoc</a:t>
             </a:r>
             <a:endParaRPr lang="es-ES" altLang="en-US"/>
           </a:p>
@@ -7225,7 +7224,122 @@
         <p:txBody>
           <a:bodyPr/>
           <a:p>
-            <a:endParaRPr lang="en-US"/>
+            <a:r>
+              <a:rPr lang="es-ES" altLang="en-US"/>
+              <a:t>What is</a:t>
+            </a:r>
+            <a:endParaRPr lang="es-ES" altLang="en-US"/>
+          </a:p>
+        </p:txBody>
+      </p:sp>
+      <p:pic>
+        <p:nvPicPr>
+          <p:cNvPr id="4" name="Imagen 3"/>
+          <p:cNvPicPr>
+            <a:picLocks noChangeAspect="1"/>
+          </p:cNvPicPr>
+          <p:nvPr/>
+        </p:nvPicPr>
+        <p:blipFill>
+          <a:blip r:embed="rId1"/>
+          <a:stretch>
+            <a:fillRect/>
+          </a:stretch>
+        </p:blipFill>
+        <p:spPr>
+          <a:xfrm>
+            <a:off x="4855845" y="1553845"/>
+            <a:ext cx="7332980" cy="3750310"/>
+          </a:xfrm>
+          <a:prstGeom prst="rect">
+            <a:avLst/>
+          </a:prstGeom>
+        </p:spPr>
+      </p:pic>
+      <p:sp>
+        <p:nvSpPr>
+          <p:cNvPr id="6" name="Cuadro de texto 5"/>
+          <p:cNvSpPr txBox="1"/>
+          <p:nvPr/>
+        </p:nvSpPr>
+        <p:spPr>
+          <a:xfrm>
+            <a:off x="299085" y="1678305"/>
+            <a:ext cx="4607560" cy="1568450"/>
+          </a:xfrm>
+          <a:prstGeom prst="rect">
+            <a:avLst/>
+          </a:prstGeom>
+          <a:noFill/>
+        </p:spPr>
+        <p:txBody>
+          <a:bodyPr wrap="square" rtlCol="0" anchor="t">
+            <a:spAutoFit/>
+          </a:bodyPr>
+          <a:p>
+            <a:r>
+              <a:rPr lang="es-ES" altLang="en-US"/>
+              <a:t>Compodoc is a documentation tool for Angular applications. It generates a static documentation of your application.</a:t>
+            </a:r>
+            <a:endParaRPr lang="es-ES" altLang="en-US"/>
+          </a:p>
+        </p:txBody>
+      </p:sp>
+      <p:sp>
+        <p:nvSpPr>
+          <p:cNvPr id="7" name="Cuadro de texto 6"/>
+          <p:cNvSpPr txBox="1"/>
+          <p:nvPr/>
+        </p:nvSpPr>
+        <p:spPr>
+          <a:xfrm>
+            <a:off x="299085" y="3489325"/>
+            <a:ext cx="3876675" cy="1568450"/>
+          </a:xfrm>
+          <a:prstGeom prst="rect">
+            <a:avLst/>
+          </a:prstGeom>
+          <a:noFill/>
+        </p:spPr>
+        <p:txBody>
+          <a:bodyPr wrap="square" rtlCol="0" anchor="t">
+            <a:spAutoFit/>
+          </a:bodyPr>
+          <a:p>
+            <a:r>
+              <a:rPr lang="es-ES" altLang="en-US"/>
+              <a:t>Compodoc helps Angular developers providing a clear and helpful documentation of their application.</a:t>
+            </a:r>
+            <a:endParaRPr lang="es-ES" altLang="en-US"/>
+          </a:p>
+        </p:txBody>
+      </p:sp>
+      <p:sp>
+        <p:nvSpPr>
+          <p:cNvPr id="8" name="Cuadro de texto 7"/>
+          <p:cNvSpPr txBox="1"/>
+          <p:nvPr/>
+        </p:nvSpPr>
+        <p:spPr>
+          <a:xfrm>
+            <a:off x="4855845" y="5671185"/>
+            <a:ext cx="3239770" cy="460375"/>
+          </a:xfrm>
+          <a:prstGeom prst="rect">
+            <a:avLst/>
+          </a:prstGeom>
+          <a:noFill/>
+        </p:spPr>
+        <p:txBody>
+          <a:bodyPr wrap="square" rtlCol="0" anchor="t">
+            <a:spAutoFit/>
+          </a:bodyPr>
+          <a:p>
+            <a:r>
+              <a:rPr lang="es-ES" altLang="en-US"/>
+              <a:t>https://compodoc.app/</a:t>
+            </a:r>
+            <a:endParaRPr lang="es-ES" altLang="en-US"/>
           </a:p>
         </p:txBody>
       </p:sp>
@@ -7262,7 +7376,9 @@
           <a:bodyPr/>
           <a:p>
             <a:r>
-              <a:rPr lang="es-ES" altLang="en-US"/>
+              <a:rPr lang="es-ES" altLang="en-US">
+                <a:sym typeface="+mn-ea"/>
+              </a:rPr>
               <a:t>Compodoc</a:t>
             </a:r>
             <a:endParaRPr lang="es-ES" altLang="en-US"/>
@@ -7285,12 +7401,84 @@
           <a:p>
             <a:r>
               <a:rPr lang="es-ES" altLang="en-US"/>
-              <a:t>What is</a:t>
+              <a:t>Examples</a:t>
             </a:r>
             <a:endParaRPr lang="es-ES" altLang="en-US"/>
           </a:p>
         </p:txBody>
       </p:sp>
+      <p:pic>
+        <p:nvPicPr>
+          <p:cNvPr id="4" name="Imagen 3"/>
+          <p:cNvPicPr>
+            <a:picLocks noChangeAspect="1"/>
+          </p:cNvPicPr>
+          <p:nvPr/>
+        </p:nvPicPr>
+        <p:blipFill>
+          <a:blip r:embed="rId1"/>
+          <a:stretch>
+            <a:fillRect/>
+          </a:stretch>
+        </p:blipFill>
+        <p:spPr>
+          <a:xfrm>
+            <a:off x="299085" y="3321050"/>
+            <a:ext cx="6546850" cy="2330450"/>
+          </a:xfrm>
+          <a:prstGeom prst="rect">
+            <a:avLst/>
+          </a:prstGeom>
+        </p:spPr>
+      </p:pic>
+      <p:pic>
+        <p:nvPicPr>
+          <p:cNvPr id="5" name="Imagen 4"/>
+          <p:cNvPicPr>
+            <a:picLocks noChangeAspect="1"/>
+          </p:cNvPicPr>
+          <p:nvPr/>
+        </p:nvPicPr>
+        <p:blipFill>
+          <a:blip r:embed="rId2"/>
+          <a:stretch>
+            <a:fillRect/>
+          </a:stretch>
+        </p:blipFill>
+        <p:spPr>
+          <a:xfrm>
+            <a:off x="7060565" y="3192780"/>
+            <a:ext cx="4961890" cy="2846070"/>
+          </a:xfrm>
+          <a:prstGeom prst="rect">
+            <a:avLst/>
+          </a:prstGeom>
+        </p:spPr>
+      </p:pic>
+      <p:pic>
+        <p:nvPicPr>
+          <p:cNvPr id="6" name="Imagen 5"/>
+          <p:cNvPicPr>
+            <a:picLocks noChangeAspect="1"/>
+          </p:cNvPicPr>
+          <p:nvPr/>
+        </p:nvPicPr>
+        <p:blipFill>
+          <a:blip r:embed="rId3"/>
+          <a:stretch>
+            <a:fillRect/>
+          </a:stretch>
+        </p:blipFill>
+        <p:spPr>
+          <a:xfrm>
+            <a:off x="2378710" y="1076960"/>
+            <a:ext cx="8049895" cy="2045970"/>
+          </a:xfrm>
+          <a:prstGeom prst="rect">
+            <a:avLst/>
+          </a:prstGeom>
+        </p:spPr>
+      </p:pic>
     </p:spTree>
   </p:cSld>
   <p:clrMapOvr>
@@ -7347,7 +7535,122 @@
         <p:txBody>
           <a:bodyPr/>
           <a:p>
-            <a:endParaRPr lang="en-US"/>
+            <a:r>
+              <a:rPr lang="es-ES" altLang="en-US"/>
+              <a:t>Workshop</a:t>
+            </a:r>
+            <a:endParaRPr lang="es-ES" altLang="en-US"/>
+          </a:p>
+        </p:txBody>
+      </p:sp>
+      <p:sp>
+        <p:nvSpPr>
+          <p:cNvPr id="7" name="Cuadro de texto 6"/>
+          <p:cNvSpPr txBox="1"/>
+          <p:nvPr/>
+        </p:nvSpPr>
+        <p:spPr>
+          <a:xfrm>
+            <a:off x="299085" y="2448560"/>
+            <a:ext cx="5080000" cy="460375"/>
+          </a:xfrm>
+          <a:prstGeom prst="rect">
+            <a:avLst/>
+          </a:prstGeom>
+          <a:noFill/>
+        </p:spPr>
+        <p:txBody>
+          <a:bodyPr wrap="square" rtlCol="0" anchor="t">
+            <a:spAutoFit/>
+          </a:bodyPr>
+          <a:p>
+            <a:r>
+              <a:rPr lang="es-ES" altLang="en-US"/>
+              <a:t>npm install -g @compodoc/compodoc</a:t>
+            </a:r>
+            <a:endParaRPr lang="es-ES" altLang="en-US"/>
+          </a:p>
+        </p:txBody>
+      </p:sp>
+      <p:sp>
+        <p:nvSpPr>
+          <p:cNvPr id="8" name="Cuadro de texto 7"/>
+          <p:cNvSpPr txBox="1"/>
+          <p:nvPr/>
+        </p:nvSpPr>
+        <p:spPr>
+          <a:xfrm>
+            <a:off x="299085" y="3324860"/>
+            <a:ext cx="4854575" cy="460375"/>
+          </a:xfrm>
+          <a:prstGeom prst="rect">
+            <a:avLst/>
+          </a:prstGeom>
+          <a:noFill/>
+        </p:spPr>
+        <p:txBody>
+          <a:bodyPr wrap="square" rtlCol="0" anchor="t">
+            <a:spAutoFit/>
+          </a:bodyPr>
+          <a:p>
+            <a:r>
+              <a:rPr lang="es-ES" altLang="en-US"/>
+              <a:t>compodoc -p src/tsconfig.app.json</a:t>
+            </a:r>
+            <a:endParaRPr lang="es-ES" altLang="en-US"/>
+          </a:p>
+        </p:txBody>
+      </p:sp>
+      <p:pic>
+        <p:nvPicPr>
+          <p:cNvPr id="9" name="Imagen 8"/>
+          <p:cNvPicPr>
+            <a:picLocks noChangeAspect="1"/>
+          </p:cNvPicPr>
+          <p:nvPr/>
+        </p:nvPicPr>
+        <p:blipFill>
+          <a:blip r:embed="rId1"/>
+          <a:stretch>
+            <a:fillRect/>
+          </a:stretch>
+        </p:blipFill>
+        <p:spPr>
+          <a:xfrm>
+            <a:off x="5325110" y="1358265"/>
+            <a:ext cx="6617335" cy="3788410"/>
+          </a:xfrm>
+          <a:prstGeom prst="rect">
+            <a:avLst/>
+          </a:prstGeom>
+        </p:spPr>
+      </p:pic>
+      <p:sp>
+        <p:nvSpPr>
+          <p:cNvPr id="11" name="Cuadro de texto 10"/>
+          <p:cNvSpPr txBox="1"/>
+          <p:nvPr/>
+        </p:nvSpPr>
+        <p:spPr>
+          <a:xfrm>
+            <a:off x="299085" y="1664970"/>
+            <a:ext cx="3858895" cy="460375"/>
+          </a:xfrm>
+          <a:prstGeom prst="rect">
+            <a:avLst/>
+          </a:prstGeom>
+          <a:noFill/>
+        </p:spPr>
+        <p:txBody>
+          <a:bodyPr wrap="square" rtlCol="0">
+            <a:spAutoFit/>
+          </a:bodyPr>
+          <a:p>
+            <a:r>
+              <a:rPr lang="es-ES" altLang="en-US" b="1"/>
+              <a:t>Documentate agenda APP</a:t>
+            </a:r>
+            <a:endParaRPr lang="es-ES" altLang="en-US" b="1"/>
           </a:p>
         </p:txBody>
       </p:sp>
@@ -7360,54 +7663,6 @@
 </file>
 
 <file path=ppt/slides/slide7.xml><?xml version="1.0" encoding="utf-8"?>
-<p:sld xmlns:a="http://schemas.openxmlformats.org/drawingml/2006/main" xmlns:r="http://schemas.openxmlformats.org/officeDocument/2006/relationships" xmlns:p="http://schemas.openxmlformats.org/presentationml/2006/main">
-  <p:cSld>
-    <p:spTree>
-      <p:nvGrpSpPr>
-        <p:cNvPr id="1" name=""/>
-        <p:cNvGrpSpPr/>
-        <p:nvPr/>
-      </p:nvGrpSpPr>
-      <p:grpSpPr>
-        <a:xfrm>
-          <a:off x="0" y="0"/>
-          <a:ext cx="0" cy="0"/>
-          <a:chOff x="0" y="0"/>
-          <a:chExt cx="0" cy="0"/>
-        </a:xfrm>
-      </p:grpSpPr>
-      <p:sp>
-        <p:nvSpPr>
-          <p:cNvPr id="2" name="Título 1"/>
-          <p:cNvSpPr>
-            <a:spLocks noGrp="1"/>
-          </p:cNvSpPr>
-          <p:nvPr>
-            <p:ph type="title"/>
-          </p:nvPr>
-        </p:nvSpPr>
-        <p:spPr/>
-        <p:txBody>
-          <a:bodyPr/>
-          <a:lstStyle/>
-          <a:p>
-            <a:r>
-              <a:rPr lang="es-ES" dirty="0" err="1"/>
-              <a:t>xxxxxxxxx</a:t>
-            </a:r>
-            <a:endParaRPr lang="es-ES" dirty="0"/>
-          </a:p>
-        </p:txBody>
-      </p:sp>
-    </p:spTree>
-  </p:cSld>
-  <p:clrMapOvr>
-    <a:masterClrMapping/>
-  </p:clrMapOvr>
-</p:sld>
-</file>
-
-<file path=ppt/slides/slide8.xml><?xml version="1.0" encoding="utf-8"?>
 <p:sld xmlns:a="http://schemas.openxmlformats.org/drawingml/2006/main" xmlns:r="http://schemas.openxmlformats.org/officeDocument/2006/relationships" xmlns:p="http://schemas.openxmlformats.org/presentationml/2006/main">
   <p:cSld>
     <p:bg>
@@ -8157,7 +8412,7 @@
 </p:sld>
 </file>
 
-<file path=ppt/slides/slide9.xml><?xml version="1.0" encoding="utf-8"?>
+<file path=ppt/slides/slide8.xml><?xml version="1.0" encoding="utf-8"?>
 <p:sld xmlns:a="http://schemas.openxmlformats.org/drawingml/2006/main" xmlns:r="http://schemas.openxmlformats.org/officeDocument/2006/relationships" xmlns:p="http://schemas.openxmlformats.org/presentationml/2006/main">
   <p:cSld>
     <p:spTree>
